--- a/logo/README-table-example-1.pptx
+++ b/logo/README-table-example-1.pptx
@@ -3536,7 +3536,7 @@
                   <a:latin typeface="Roboto" panose="02000000000000000000" pitchFamily="2" charset="0"/>
                   <a:ea typeface="Roboto" panose="02000000000000000000" pitchFamily="2" charset="0"/>
                 </a:rPr>
-                <a:t>BQ</a:t>
+                <a:t>BE</a:t>
               </a:r>
             </a:p>
           </p:txBody>
